--- a/スライド/実験４_0116.pptx
+++ b/スライド/実験４_0116.pptx
@@ -6140,19 +6140,7 @@
             </a:br>
             <a:r>
               <a:rPr lang="en-US" altLang="ja-JP" dirty="0" smtClean="0"/>
-              <a:t>2018</a:t>
-            </a:r>
-            <a:r>
-              <a:rPr lang="en-US" altLang="ja-JP" dirty="0" smtClean="0"/>
-              <a:t>/</a:t>
-            </a:r>
-            <a:r>
-              <a:rPr lang="en-US" altLang="ja-JP" dirty="0" smtClean="0"/>
-              <a:t>01</a:t>
-            </a:r>
-            <a:r>
-              <a:rPr lang="en-US" altLang="ja-JP" dirty="0" smtClean="0"/>
-              <a:t>/16</a:t>
+              <a:t>2018/01/16</a:t>
             </a:r>
             <a:endParaRPr kumimoji="1" lang="ja-JP" altLang="en-US" dirty="0"/>
           </a:p>
@@ -6254,11 +6242,19 @@
           <a:p>
             <a:r>
               <a:rPr lang="ja-JP" altLang="en-US" sz="6000" dirty="0" smtClean="0"/>
-              <a:t>今のところの</a:t>
+              <a:t>冬休み</a:t>
             </a:r>
             <a:r>
               <a:rPr lang="ja-JP" altLang="en-US" sz="6000" dirty="0" smtClean="0"/>
               <a:t>進捗</a:t>
+            </a:r>
+            <a:r>
+              <a:rPr lang="en-US" altLang="ja-JP" sz="6000" dirty="0" smtClean="0"/>
+              <a:t> #</a:t>
+            </a:r>
+            <a:r>
+              <a:rPr lang="ja-JP" altLang="en-US" sz="6000" dirty="0" smtClean="0"/>
+              <a:t>イラスト</a:t>
             </a:r>
             <a:r>
               <a:rPr lang="ja-JP" altLang="en-US" sz="6000" dirty="0" smtClean="0"/>
@@ -6425,11 +6421,19 @@
           <a:p>
             <a:r>
               <a:rPr lang="ja-JP" altLang="en-US" sz="6000" dirty="0" smtClean="0"/>
-              <a:t>今のところの</a:t>
+              <a:t>冬休み</a:t>
             </a:r>
             <a:r>
               <a:rPr lang="ja-JP" altLang="en-US" sz="6000" dirty="0" smtClean="0"/>
               <a:t>進捗</a:t>
+            </a:r>
+            <a:r>
+              <a:rPr lang="en-US" altLang="ja-JP" sz="6000" dirty="0" smtClean="0"/>
+              <a:t> #</a:t>
+            </a:r>
+            <a:r>
+              <a:rPr lang="ja-JP" altLang="en-US" sz="6000" dirty="0" smtClean="0"/>
+              <a:t>プログラム</a:t>
             </a:r>
             <a:r>
               <a:rPr lang="ja-JP" altLang="en-US" sz="6000" dirty="0" smtClean="0"/>
@@ -6457,78 +6461,80 @@
         </p:spPr>
         <p:txBody>
           <a:bodyPr>
-            <a:normAutofit/>
+            <a:normAutofit lnSpcReduction="10000"/>
           </a:bodyPr>
           <a:lstStyle/>
           <a:p>
             <a:r>
               <a:rPr lang="ja-JP" altLang="en-US" sz="3600" dirty="0" smtClean="0"/>
-              <a:t>ボタンなど</a:t>
+              <a:t>ムービーを一度だけ表示するように設定</a:t>
             </a:r>
             <a:endParaRPr lang="en-US" altLang="ja-JP" sz="3600" dirty="0" smtClean="0"/>
           </a:p>
-        </p:txBody>
-      </p:sp>
-      <p:pic>
-        <p:nvPicPr>
-          <p:cNvPr id="5" name="図 4"/>
-          <p:cNvPicPr>
-            <a:picLocks noChangeAspect="1"/>
-          </p:cNvPicPr>
-          <p:nvPr/>
-        </p:nvPicPr>
-        <p:blipFill>
-          <a:blip r:embed="rId2">
-            <a:extLst>
-              <a:ext uri="{28A0092B-C50C-407E-A947-70E740481C1C}">
-                <a14:useLocalDpi xmlns:a14="http://schemas.microsoft.com/office/drawing/2010/main" val="0"/>
-              </a:ext>
-            </a:extLst>
-          </a:blip>
-          <a:stretch>
-            <a:fillRect/>
-          </a:stretch>
-        </p:blipFill>
-        <p:spPr>
-          <a:xfrm>
-            <a:off x="1125457" y="3706352"/>
-            <a:ext cx="3440881" cy="2580667"/>
-          </a:xfrm>
-          <a:prstGeom prst="rect">
-            <a:avLst/>
-          </a:prstGeom>
-        </p:spPr>
-      </p:pic>
-      <p:pic>
-        <p:nvPicPr>
-          <p:cNvPr id="6" name="図 5"/>
-          <p:cNvPicPr>
-            <a:picLocks noChangeAspect="1"/>
-          </p:cNvPicPr>
-          <p:nvPr/>
-        </p:nvPicPr>
-        <p:blipFill>
-          <a:blip r:embed="rId3">
-            <a:extLst>
-              <a:ext uri="{28A0092B-C50C-407E-A947-70E740481C1C}">
-                <a14:useLocalDpi xmlns:a14="http://schemas.microsoft.com/office/drawing/2010/main" val="0"/>
-              </a:ext>
-            </a:extLst>
-          </a:blip>
-          <a:stretch>
-            <a:fillRect/>
-          </a:stretch>
-        </p:blipFill>
-        <p:spPr>
-          <a:xfrm>
-            <a:off x="5024694" y="3557417"/>
-            <a:ext cx="3639461" cy="2729602"/>
-          </a:xfrm>
-          <a:prstGeom prst="rect">
-            <a:avLst/>
-          </a:prstGeom>
-        </p:spPr>
-      </p:pic>
+          <a:p>
+            <a:r>
+              <a:rPr lang="en-US" altLang="ja-JP" sz="3600" dirty="0" smtClean="0"/>
+              <a:t>HARD</a:t>
+            </a:r>
+            <a:r>
+              <a:rPr lang="ja-JP" altLang="en-US" sz="3600" dirty="0" smtClean="0"/>
+              <a:t>モード追加</a:t>
+            </a:r>
+            <a:endParaRPr lang="en-US" altLang="ja-JP" sz="3600" dirty="0" smtClean="0"/>
+          </a:p>
+          <a:p>
+            <a:r>
+              <a:rPr lang="ja-JP" altLang="en-US" sz="3600" dirty="0" smtClean="0"/>
+              <a:t>獲得した本を表示</a:t>
+            </a:r>
+            <a:endParaRPr lang="en-US" altLang="ja-JP" sz="3600" dirty="0" smtClean="0"/>
+          </a:p>
+          <a:p>
+            <a:r>
+              <a:rPr lang="ja-JP" altLang="en-US" sz="3600" dirty="0" smtClean="0"/>
+              <a:t>新しい島に</a:t>
+            </a:r>
+            <a:r>
+              <a:rPr lang="en-US" altLang="ja-JP" sz="3600" dirty="0" smtClean="0"/>
+              <a:t>NEW</a:t>
+            </a:r>
+            <a:r>
+              <a:rPr lang="ja-JP" altLang="en-US" sz="3600" dirty="0" smtClean="0"/>
+              <a:t>を表示</a:t>
+            </a:r>
+            <a:endParaRPr lang="en-US" altLang="ja-JP" sz="3600" dirty="0" smtClean="0"/>
+          </a:p>
+          <a:p>
+            <a:r>
+              <a:rPr lang="en-US" altLang="ja-JP" sz="3600" dirty="0" smtClean="0"/>
+              <a:t>HARD</a:t>
+            </a:r>
+            <a:r>
+              <a:rPr lang="ja-JP" altLang="en-US" sz="3600" dirty="0" smtClean="0"/>
+              <a:t>ボタンに</a:t>
+            </a:r>
+            <a:r>
+              <a:rPr lang="en-US" altLang="ja-JP" sz="3600" dirty="0" smtClean="0"/>
+              <a:t>NEW</a:t>
+            </a:r>
+            <a:r>
+              <a:rPr lang="ja-JP" altLang="en-US" sz="3600" dirty="0" smtClean="0"/>
+              <a:t>を出すように設定</a:t>
+            </a:r>
+            <a:endParaRPr lang="en-US" altLang="ja-JP" sz="3600" dirty="0" smtClean="0"/>
+          </a:p>
+          <a:p>
+            <a:r>
+              <a:rPr lang="ja-JP" altLang="en-US" sz="3600" smtClean="0"/>
+              <a:t>ムービーコレクションを取った順に表示</a:t>
+            </a:r>
+            <a:endParaRPr lang="en-US" altLang="ja-JP" sz="3600" dirty="0" smtClean="0"/>
+          </a:p>
+          <a:p>
+            <a:endParaRPr lang="en-US" altLang="ja-JP" sz="3600" dirty="0" smtClean="0"/>
+          </a:p>
+        </p:txBody>
+      </p:sp>
     </p:spTree>
     <p:extLst>
       <p:ext uri="{BB962C8B-B14F-4D97-AF65-F5344CB8AC3E}">
@@ -6625,11 +6631,7 @@
             </a:r>
             <a:r>
               <a:rPr lang="ja-JP" altLang="en-US" sz="3600" dirty="0" smtClean="0"/>
-              <a:t>踏まえて、</a:t>
-            </a:r>
-            <a:r>
-              <a:rPr lang="ja-JP" altLang="en-US" sz="3600" dirty="0" smtClean="0"/>
-              <a:t>手が開く人が出ないように効率良く仕事を割り振る。</a:t>
+              <a:t>踏まえて、手が開く人が出ないように効率良く仕事を割り振る。</a:t>
             </a:r>
             <a:endParaRPr lang="en-US" altLang="ja-JP" sz="3600" dirty="0" smtClean="0"/>
           </a:p>
